--- a/StreamingForexDataWithApacheKafka/images/Step 00.pptx
+++ b/StreamingForexDataWithApacheKafka/images/Step 00.pptx
@@ -259,7 +259,7 @@
           <a:p>
             <a:fld id="{ADB16765-C809-44A8-B3B6-B37889F4518F}" type="datetimeFigureOut">
               <a:rPr lang="en-US" smtClean="0"/>
-              <a:t>7/24/2024</a:t>
+              <a:t>8/1/2024</a:t>
             </a:fld>
             <a:endParaRPr lang="en-US"/>
           </a:p>
@@ -457,7 +457,7 @@
           <a:p>
             <a:fld id="{ADB16765-C809-44A8-B3B6-B37889F4518F}" type="datetimeFigureOut">
               <a:rPr lang="en-US" smtClean="0"/>
-              <a:t>7/24/2024</a:t>
+              <a:t>8/1/2024</a:t>
             </a:fld>
             <a:endParaRPr lang="en-US"/>
           </a:p>
@@ -665,7 +665,7 @@
           <a:p>
             <a:fld id="{ADB16765-C809-44A8-B3B6-B37889F4518F}" type="datetimeFigureOut">
               <a:rPr lang="en-US" smtClean="0"/>
-              <a:t>7/24/2024</a:t>
+              <a:t>8/1/2024</a:t>
             </a:fld>
             <a:endParaRPr lang="en-US"/>
           </a:p>
@@ -863,7 +863,7 @@
           <a:p>
             <a:fld id="{ADB16765-C809-44A8-B3B6-B37889F4518F}" type="datetimeFigureOut">
               <a:rPr lang="en-US" smtClean="0"/>
-              <a:t>7/24/2024</a:t>
+              <a:t>8/1/2024</a:t>
             </a:fld>
             <a:endParaRPr lang="en-US"/>
           </a:p>
@@ -1138,7 +1138,7 @@
           <a:p>
             <a:fld id="{ADB16765-C809-44A8-B3B6-B37889F4518F}" type="datetimeFigureOut">
               <a:rPr lang="en-US" smtClean="0"/>
-              <a:t>7/24/2024</a:t>
+              <a:t>8/1/2024</a:t>
             </a:fld>
             <a:endParaRPr lang="en-US"/>
           </a:p>
@@ -1403,7 +1403,7 @@
           <a:p>
             <a:fld id="{ADB16765-C809-44A8-B3B6-B37889F4518F}" type="datetimeFigureOut">
               <a:rPr lang="en-US" smtClean="0"/>
-              <a:t>7/24/2024</a:t>
+              <a:t>8/1/2024</a:t>
             </a:fld>
             <a:endParaRPr lang="en-US"/>
           </a:p>
@@ -1815,7 +1815,7 @@
           <a:p>
             <a:fld id="{ADB16765-C809-44A8-B3B6-B37889F4518F}" type="datetimeFigureOut">
               <a:rPr lang="en-US" smtClean="0"/>
-              <a:t>7/24/2024</a:t>
+              <a:t>8/1/2024</a:t>
             </a:fld>
             <a:endParaRPr lang="en-US"/>
           </a:p>
@@ -1956,7 +1956,7 @@
           <a:p>
             <a:fld id="{ADB16765-C809-44A8-B3B6-B37889F4518F}" type="datetimeFigureOut">
               <a:rPr lang="en-US" smtClean="0"/>
-              <a:t>7/24/2024</a:t>
+              <a:t>8/1/2024</a:t>
             </a:fld>
             <a:endParaRPr lang="en-US"/>
           </a:p>
@@ -2069,7 +2069,7 @@
           <a:p>
             <a:fld id="{ADB16765-C809-44A8-B3B6-B37889F4518F}" type="datetimeFigureOut">
               <a:rPr lang="en-US" smtClean="0"/>
-              <a:t>7/24/2024</a:t>
+              <a:t>8/1/2024</a:t>
             </a:fld>
             <a:endParaRPr lang="en-US"/>
           </a:p>
@@ -2380,7 +2380,7 @@
           <a:p>
             <a:fld id="{ADB16765-C809-44A8-B3B6-B37889F4518F}" type="datetimeFigureOut">
               <a:rPr lang="en-US" smtClean="0"/>
-              <a:t>7/24/2024</a:t>
+              <a:t>8/1/2024</a:t>
             </a:fld>
             <a:endParaRPr lang="en-US"/>
           </a:p>
@@ -2668,7 +2668,7 @@
           <a:p>
             <a:fld id="{ADB16765-C809-44A8-B3B6-B37889F4518F}" type="datetimeFigureOut">
               <a:rPr lang="en-US" smtClean="0"/>
-              <a:t>7/24/2024</a:t>
+              <a:t>8/1/2024</a:t>
             </a:fld>
             <a:endParaRPr lang="en-US"/>
           </a:p>
@@ -2909,7 +2909,7 @@
           <a:p>
             <a:fld id="{ADB16765-C809-44A8-B3B6-B37889F4518F}" type="datetimeFigureOut">
               <a:rPr lang="en-US" smtClean="0"/>
-              <a:t>7/24/2024</a:t>
+              <a:t>8/1/2024</a:t>
             </a:fld>
             <a:endParaRPr lang="en-US"/>
           </a:p>
@@ -3496,9 +3496,9 @@
         <p:grpSpPr>
           <a:xfrm>
             <a:off x="4944310" y="2042652"/>
-            <a:ext cx="740203" cy="1128447"/>
+            <a:ext cx="830035" cy="1405446"/>
             <a:chOff x="4364207" y="1796846"/>
-            <a:chExt cx="740203" cy="1128447"/>
+            <a:chExt cx="830035" cy="1405446"/>
           </a:xfrm>
         </p:grpSpPr>
         <p:pic>
@@ -3552,7 +3552,7 @@
           <p:spPr>
             <a:xfrm>
               <a:off x="4364207" y="2555961"/>
-              <a:ext cx="740203" cy="369332"/>
+              <a:ext cx="830035" cy="646331"/>
             </a:xfrm>
             <a:prstGeom prst="rect">
               <a:avLst/>
@@ -3567,7 +3567,13 @@
             <a:p>
               <a:r>
                 <a:rPr lang="en-US" dirty="0"/>
-                <a:t>Kafka</a:t>
+                <a:t>Kafka </a:t>
+              </a:r>
+            </a:p>
+            <a:p>
+              <a:r>
+                <a:rPr lang="en-US" dirty="0"/>
+                <a:t>Broker</a:t>
               </a:r>
             </a:p>
           </p:txBody>
@@ -3947,7 +3953,7 @@
                                     </p:set>
                                     <p:animEffect transition="in" filter="wipe(down)">
                                       <p:cBhvr>
-                                        <p:cTn id="7" dur="500"/>
+                                        <p:cTn id="7" dur="1000"/>
                                         <p:tgtEl>
                                           <p:spTgt spid="21"/>
                                         </p:tgtEl>
@@ -3982,7 +3988,7 @@
                                     </p:set>
                                     <p:animEffect transition="in" filter="wipe(up)">
                                       <p:cBhvr>
-                                        <p:cTn id="10" dur="500"/>
+                                        <p:cTn id="10" dur="1000"/>
                                         <p:tgtEl>
                                           <p:spTgt spid="27"/>
                                         </p:tgtEl>
